--- a/files/teaching-resources/monmouthcollege-econ-301/econ-301-s2024/econ-301-s2024-lecture-note/ECON301-S2024-LEC16.pptx
+++ b/files/teaching-resources/monmouthcollege-econ-301/econ-301-s2024/econ-301-s2024-lecture-note/ECON301-S2024-LEC16.pptx
@@ -6997,8 +6997,8 @@
           </p:sp>
         </mc:Fallback>
       </mc:AlternateContent>
-      <mc:AlternateContent xmlns:mc="http://schemas.openxmlformats.org/markup-compatibility/2006" xmlns:a14="http://schemas.microsoft.com/office/drawing/2010/main">
-        <mc:Choice Requires="a14">
+      <mc:AlternateContent xmlns:mc="http://schemas.openxmlformats.org/markup-compatibility/2006">
+        <mc:Choice xmlns:a14="http://schemas.microsoft.com/office/drawing/2010/main" Requires="a14">
           <p:sp>
             <p:nvSpPr>
               <p:cNvPr id="30" name="Rectangle 29">
@@ -7059,12 +7059,12 @@
                         <m:rPr>
                           <m:nor/>
                         </m:rPr>
-                        <a:rPr lang="en-US" i="1" dirty="0" smtClean="0">
+                        <a:rPr lang="en-US" dirty="0">
                           <a:solidFill>
                             <a:schemeClr val="tx1"/>
                           </a:solidFill>
                         </a:rPr>
-                        <m:t>₤</m:t>
+                        <m:t>£</m:t>
                       </m:r>
                       <m:r>
                         <a:rPr lang="en-US" b="0" i="1" dirty="0" smtClean="0">
@@ -7087,7 +7087,7 @@
             </p:txBody>
           </p:sp>
         </mc:Choice>
-        <mc:Fallback xmlns="">
+        <mc:Fallback>
           <p:sp>
             <p:nvSpPr>
               <p:cNvPr id="30" name="Rectangle 29">
@@ -7274,8 +7274,8 @@
           </p:txBody>
         </p:sp>
       </p:grpSp>
-      <mc:AlternateContent xmlns:mc="http://schemas.openxmlformats.org/markup-compatibility/2006" xmlns:a14="http://schemas.microsoft.com/office/drawing/2010/main">
-        <mc:Choice Requires="a14">
+      <mc:AlternateContent xmlns:mc="http://schemas.openxmlformats.org/markup-compatibility/2006">
+        <mc:Choice xmlns:a14="http://schemas.microsoft.com/office/drawing/2010/main" Requires="a14">
           <p:sp>
             <p:nvSpPr>
               <p:cNvPr id="35" name="Rectangle 34">
@@ -7336,12 +7336,12 @@
                         <m:rPr>
                           <m:nor/>
                         </m:rPr>
-                        <a:rPr lang="en-US" i="1" dirty="0" smtClean="0">
+                        <a:rPr lang="en-US" dirty="0">
                           <a:solidFill>
                             <a:schemeClr val="tx1"/>
                           </a:solidFill>
                         </a:rPr>
-                        <m:t>₤</m:t>
+                        <m:t>£</m:t>
                       </m:r>
                       <m:r>
                         <a:rPr lang="en-US" i="1" dirty="0">
@@ -7373,7 +7373,7 @@
             </p:txBody>
           </p:sp>
         </mc:Choice>
-        <mc:Fallback xmlns="">
+        <mc:Fallback>
           <p:sp>
             <p:nvSpPr>
               <p:cNvPr id="35" name="Rectangle 34">
@@ -38745,8 +38745,8 @@
           </a:p>
         </p:txBody>
       </p:sp>
-      <mc:AlternateContent xmlns:mc="http://schemas.openxmlformats.org/markup-compatibility/2006">
-        <mc:Choice xmlns:a14="http://schemas.microsoft.com/office/drawing/2010/main" Requires="a14">
+      <mc:AlternateContent xmlns:mc="http://schemas.openxmlformats.org/markup-compatibility/2006" xmlns:a14="http://schemas.microsoft.com/office/drawing/2010/main">
+        <mc:Choice Requires="a14">
           <p:sp>
             <p:nvSpPr>
               <p:cNvPr id="3" name="Content Placeholder 2">
@@ -38979,7 +38979,7 @@
             </p:txBody>
           </p:sp>
         </mc:Choice>
-        <mc:Fallback>
+        <mc:Fallback xmlns="">
           <p:sp>
             <p:nvSpPr>
               <p:cNvPr id="3" name="Content Placeholder 2">
